--- a/cloud_computing/Salesforce.pptx
+++ b/cloud_computing/Salesforce.pptx
@@ -5,7 +5,7 @@
     <p:sldMasterId id="2147483648" r:id="rId1"/>
   </p:sldMasterIdLst>
   <p:notesMasterIdLst>
-    <p:notesMasterId r:id="rId15"/>
+    <p:notesMasterId r:id="rId17"/>
   </p:notesMasterIdLst>
   <p:sldIdLst>
     <p:sldId id="258" r:id="rId2"/>
@@ -14,13 +14,15 @@
     <p:sldId id="268" r:id="rId5"/>
     <p:sldId id="271" r:id="rId6"/>
     <p:sldId id="269" r:id="rId7"/>
-    <p:sldId id="273" r:id="rId8"/>
-    <p:sldId id="277" r:id="rId9"/>
-    <p:sldId id="274" r:id="rId10"/>
-    <p:sldId id="275" r:id="rId11"/>
-    <p:sldId id="276" r:id="rId12"/>
-    <p:sldId id="270" r:id="rId13"/>
-    <p:sldId id="267" r:id="rId14"/>
+    <p:sldId id="280" r:id="rId8"/>
+    <p:sldId id="273" r:id="rId9"/>
+    <p:sldId id="279" r:id="rId10"/>
+    <p:sldId id="274" r:id="rId11"/>
+    <p:sldId id="278" r:id="rId12"/>
+    <p:sldId id="275" r:id="rId13"/>
+    <p:sldId id="276" r:id="rId14"/>
+    <p:sldId id="270" r:id="rId15"/>
+    <p:sldId id="267" r:id="rId16"/>
   </p:sldIdLst>
   <p:sldSz cx="12192000" cy="6858000"/>
   <p:notesSz cx="6858000" cy="9144000"/>
@@ -209,7 +211,7 @@
           <a:p>
             <a:fld id="{BEBB42C3-DC4B-4644-A9FC-B73BCA19FF02}" type="datetimeFigureOut">
               <a:rPr lang="en-US" smtClean="0"/>
-              <a:t>5/7/2018</a:t>
+              <a:t>5/10/2018</a:t>
             </a:fld>
             <a:endParaRPr lang="en-US"/>
           </a:p>
@@ -733,7 +735,7 @@
     </p:spTree>
     <p:extLst>
       <p:ext uri="{BB962C8B-B14F-4D97-AF65-F5344CB8AC3E}">
-        <p14:creationId xmlns:p14="http://schemas.microsoft.com/office/powerpoint/2010/main" val="2756423418"/>
+        <p14:creationId xmlns:p14="http://schemas.microsoft.com/office/powerpoint/2010/main" val="809052188"/>
       </p:ext>
     </p:extLst>
   </p:cSld>
@@ -787,10 +789,6 @@
           <a:bodyPr/>
           <a:lstStyle/>
           <a:p>
-            <a:r>
-              <a:rPr lang="en-US" smtClean="0"/>
-              <a:t>https://www.youtube.com/watch?v=GMwHqQtqEys</a:t>
-            </a:r>
             <a:endParaRPr lang="en-US"/>
           </a:p>
         </p:txBody>
@@ -812,7 +810,7 @@
           <a:p>
             <a:fld id="{DF8BA125-4052-4BA7-B5CB-A4B5D18D7EB9}" type="slidenum">
               <a:rPr lang="en-US" smtClean="0"/>
-              <a:t>10</a:t>
+              <a:t>8</a:t>
             </a:fld>
             <a:endParaRPr lang="en-US"/>
           </a:p>
@@ -821,7 +819,7 @@
     </p:spTree>
     <p:extLst>
       <p:ext uri="{BB962C8B-B14F-4D97-AF65-F5344CB8AC3E}">
-        <p14:creationId xmlns:p14="http://schemas.microsoft.com/office/powerpoint/2010/main" val="390944841"/>
+        <p14:creationId xmlns:p14="http://schemas.microsoft.com/office/powerpoint/2010/main" val="2756423418"/>
       </p:ext>
     </p:extLst>
   </p:cSld>
@@ -875,6 +873,10 @@
           <a:bodyPr/>
           <a:lstStyle/>
           <a:p>
+            <a:r>
+              <a:rPr lang="en-US" smtClean="0"/>
+              <a:t>https://www.salesforce.com/blog/2017/06/introducing-einstein-analytics.html</a:t>
+            </a:r>
             <a:endParaRPr lang="en-US"/>
           </a:p>
         </p:txBody>
@@ -896,7 +898,355 @@
           <a:p>
             <a:fld id="{DF8BA125-4052-4BA7-B5CB-A4B5D18D7EB9}" type="slidenum">
               <a:rPr lang="en-US" smtClean="0"/>
+              <a:t>9</a:t>
+            </a:fld>
+            <a:endParaRPr lang="en-US"/>
+          </a:p>
+        </p:txBody>
+      </p:sp>
+    </p:spTree>
+    <p:extLst>
+      <p:ext uri="{BB962C8B-B14F-4D97-AF65-F5344CB8AC3E}">
+        <p14:creationId xmlns:p14="http://schemas.microsoft.com/office/powerpoint/2010/main" val="2946567491"/>
+      </p:ext>
+    </p:extLst>
+  </p:cSld>
+  <p:clrMapOvr>
+    <a:masterClrMapping/>
+  </p:clrMapOvr>
+</p:notes>
+</file>
+
+<file path=ppt/notesSlides/notesSlide6.xml><?xml version="1.0" encoding="utf-8"?>
+<p:notes xmlns:a="http://schemas.openxmlformats.org/drawingml/2006/main" xmlns:r="http://schemas.openxmlformats.org/officeDocument/2006/relationships" xmlns:p="http://schemas.openxmlformats.org/presentationml/2006/main">
+  <p:cSld>
+    <p:spTree>
+      <p:nvGrpSpPr>
+        <p:cNvPr id="1" name=""/>
+        <p:cNvGrpSpPr/>
+        <p:nvPr/>
+      </p:nvGrpSpPr>
+      <p:grpSpPr>
+        <a:xfrm>
+          <a:off x="0" y="0"/>
+          <a:ext cx="0" cy="0"/>
+          <a:chOff x="0" y="0"/>
+          <a:chExt cx="0" cy="0"/>
+        </a:xfrm>
+      </p:grpSpPr>
+      <p:sp>
+        <p:nvSpPr>
+          <p:cNvPr id="2" name="Slide Image Placeholder 1"/>
+          <p:cNvSpPr>
+            <a:spLocks noGrp="1" noRot="1" noChangeAspect="1"/>
+          </p:cNvSpPr>
+          <p:nvPr>
+            <p:ph type="sldImg"/>
+          </p:nvPr>
+        </p:nvSpPr>
+        <p:spPr/>
+      </p:sp>
+      <p:sp>
+        <p:nvSpPr>
+          <p:cNvPr id="3" name="Notes Placeholder 2"/>
+          <p:cNvSpPr>
+            <a:spLocks noGrp="1"/>
+          </p:cNvSpPr>
+          <p:nvPr>
+            <p:ph type="body" idx="1"/>
+          </p:nvPr>
+        </p:nvSpPr>
+        <p:spPr/>
+        <p:txBody>
+          <a:bodyPr/>
+          <a:lstStyle/>
+          <a:p>
+            <a:r>
+              <a:rPr lang="en-US" smtClean="0"/>
+              <a:t>https://developer.salesforce.com/page/Lightning_Overview</a:t>
+            </a:r>
+            <a:endParaRPr lang="en-US"/>
+          </a:p>
+        </p:txBody>
+      </p:sp>
+      <p:sp>
+        <p:nvSpPr>
+          <p:cNvPr id="4" name="Slide Number Placeholder 3"/>
+          <p:cNvSpPr>
+            <a:spLocks noGrp="1"/>
+          </p:cNvSpPr>
+          <p:nvPr>
+            <p:ph type="sldNum" sz="quarter" idx="10"/>
+          </p:nvPr>
+        </p:nvSpPr>
+        <p:spPr/>
+        <p:txBody>
+          <a:bodyPr/>
+          <a:lstStyle/>
+          <a:p>
+            <a:fld id="{DF8BA125-4052-4BA7-B5CB-A4B5D18D7EB9}" type="slidenum">
+              <a:rPr lang="en-US" smtClean="0"/>
+              <a:t>10</a:t>
+            </a:fld>
+            <a:endParaRPr lang="en-US"/>
+          </a:p>
+        </p:txBody>
+      </p:sp>
+    </p:spTree>
+    <p:extLst>
+      <p:ext uri="{BB962C8B-B14F-4D97-AF65-F5344CB8AC3E}">
+        <p14:creationId xmlns:p14="http://schemas.microsoft.com/office/powerpoint/2010/main" val="2290709051"/>
+      </p:ext>
+    </p:extLst>
+  </p:cSld>
+  <p:clrMapOvr>
+    <a:masterClrMapping/>
+  </p:clrMapOvr>
+</p:notes>
+</file>
+
+<file path=ppt/notesSlides/notesSlide7.xml><?xml version="1.0" encoding="utf-8"?>
+<p:notes xmlns:a="http://schemas.openxmlformats.org/drawingml/2006/main" xmlns:r="http://schemas.openxmlformats.org/officeDocument/2006/relationships" xmlns:p="http://schemas.openxmlformats.org/presentationml/2006/main">
+  <p:cSld>
+    <p:spTree>
+      <p:nvGrpSpPr>
+        <p:cNvPr id="1" name=""/>
+        <p:cNvGrpSpPr/>
+        <p:nvPr/>
+      </p:nvGrpSpPr>
+      <p:grpSpPr>
+        <a:xfrm>
+          <a:off x="0" y="0"/>
+          <a:ext cx="0" cy="0"/>
+          <a:chOff x="0" y="0"/>
+          <a:chExt cx="0" cy="0"/>
+        </a:xfrm>
+      </p:grpSpPr>
+      <p:sp>
+        <p:nvSpPr>
+          <p:cNvPr id="2" name="Slide Image Placeholder 1"/>
+          <p:cNvSpPr>
+            <a:spLocks noGrp="1" noRot="1" noChangeAspect="1"/>
+          </p:cNvSpPr>
+          <p:nvPr>
+            <p:ph type="sldImg"/>
+          </p:nvPr>
+        </p:nvSpPr>
+        <p:spPr/>
+      </p:sp>
+      <p:sp>
+        <p:nvSpPr>
+          <p:cNvPr id="3" name="Notes Placeholder 2"/>
+          <p:cNvSpPr>
+            <a:spLocks noGrp="1"/>
+          </p:cNvSpPr>
+          <p:nvPr>
+            <p:ph type="body" idx="1"/>
+          </p:nvPr>
+        </p:nvSpPr>
+        <p:spPr/>
+        <p:txBody>
+          <a:bodyPr/>
+          <a:lstStyle/>
+          <a:p>
+            <a:r>
+              <a:rPr lang="en-US" smtClean="0"/>
+              <a:t>https://developer.salesforce.com/page/Lightning_Overview</a:t>
+            </a:r>
+            <a:endParaRPr lang="en-US"/>
+          </a:p>
+        </p:txBody>
+      </p:sp>
+      <p:sp>
+        <p:nvSpPr>
+          <p:cNvPr id="4" name="Slide Number Placeholder 3"/>
+          <p:cNvSpPr>
+            <a:spLocks noGrp="1"/>
+          </p:cNvSpPr>
+          <p:nvPr>
+            <p:ph type="sldNum" sz="quarter" idx="10"/>
+          </p:nvPr>
+        </p:nvSpPr>
+        <p:spPr/>
+        <p:txBody>
+          <a:bodyPr/>
+          <a:lstStyle/>
+          <a:p>
+            <a:fld id="{DF8BA125-4052-4BA7-B5CB-A4B5D18D7EB9}" type="slidenum">
+              <a:rPr lang="en-US" smtClean="0"/>
               <a:t>11</a:t>
+            </a:fld>
+            <a:endParaRPr lang="en-US"/>
+          </a:p>
+        </p:txBody>
+      </p:sp>
+    </p:spTree>
+    <p:extLst>
+      <p:ext uri="{BB962C8B-B14F-4D97-AF65-F5344CB8AC3E}">
+        <p14:creationId xmlns:p14="http://schemas.microsoft.com/office/powerpoint/2010/main" val="3560450564"/>
+      </p:ext>
+    </p:extLst>
+  </p:cSld>
+  <p:clrMapOvr>
+    <a:masterClrMapping/>
+  </p:clrMapOvr>
+</p:notes>
+</file>
+
+<file path=ppt/notesSlides/notesSlide8.xml><?xml version="1.0" encoding="utf-8"?>
+<p:notes xmlns:a="http://schemas.openxmlformats.org/drawingml/2006/main" xmlns:r="http://schemas.openxmlformats.org/officeDocument/2006/relationships" xmlns:p="http://schemas.openxmlformats.org/presentationml/2006/main">
+  <p:cSld>
+    <p:spTree>
+      <p:nvGrpSpPr>
+        <p:cNvPr id="1" name=""/>
+        <p:cNvGrpSpPr/>
+        <p:nvPr/>
+      </p:nvGrpSpPr>
+      <p:grpSpPr>
+        <a:xfrm>
+          <a:off x="0" y="0"/>
+          <a:ext cx="0" cy="0"/>
+          <a:chOff x="0" y="0"/>
+          <a:chExt cx="0" cy="0"/>
+        </a:xfrm>
+      </p:grpSpPr>
+      <p:sp>
+        <p:nvSpPr>
+          <p:cNvPr id="2" name="Slide Image Placeholder 1"/>
+          <p:cNvSpPr>
+            <a:spLocks noGrp="1" noRot="1" noChangeAspect="1"/>
+          </p:cNvSpPr>
+          <p:nvPr>
+            <p:ph type="sldImg"/>
+          </p:nvPr>
+        </p:nvSpPr>
+        <p:spPr/>
+      </p:sp>
+      <p:sp>
+        <p:nvSpPr>
+          <p:cNvPr id="3" name="Notes Placeholder 2"/>
+          <p:cNvSpPr>
+            <a:spLocks noGrp="1"/>
+          </p:cNvSpPr>
+          <p:nvPr>
+            <p:ph type="body" idx="1"/>
+          </p:nvPr>
+        </p:nvSpPr>
+        <p:spPr/>
+        <p:txBody>
+          <a:bodyPr/>
+          <a:lstStyle/>
+          <a:p>
+            <a:r>
+              <a:rPr lang="en-US" smtClean="0"/>
+              <a:t>https://www.youtube.com/watch?v=GMwHqQtqEys</a:t>
+            </a:r>
+            <a:endParaRPr lang="en-US"/>
+          </a:p>
+        </p:txBody>
+      </p:sp>
+      <p:sp>
+        <p:nvSpPr>
+          <p:cNvPr id="4" name="Slide Number Placeholder 3"/>
+          <p:cNvSpPr>
+            <a:spLocks noGrp="1"/>
+          </p:cNvSpPr>
+          <p:nvPr>
+            <p:ph type="sldNum" sz="quarter" idx="10"/>
+          </p:nvPr>
+        </p:nvSpPr>
+        <p:spPr/>
+        <p:txBody>
+          <a:bodyPr/>
+          <a:lstStyle/>
+          <a:p>
+            <a:fld id="{DF8BA125-4052-4BA7-B5CB-A4B5D18D7EB9}" type="slidenum">
+              <a:rPr lang="en-US" smtClean="0"/>
+              <a:t>12</a:t>
+            </a:fld>
+            <a:endParaRPr lang="en-US"/>
+          </a:p>
+        </p:txBody>
+      </p:sp>
+    </p:spTree>
+    <p:extLst>
+      <p:ext uri="{BB962C8B-B14F-4D97-AF65-F5344CB8AC3E}">
+        <p14:creationId xmlns:p14="http://schemas.microsoft.com/office/powerpoint/2010/main" val="390944841"/>
+      </p:ext>
+    </p:extLst>
+  </p:cSld>
+  <p:clrMapOvr>
+    <a:masterClrMapping/>
+  </p:clrMapOvr>
+</p:notes>
+</file>
+
+<file path=ppt/notesSlides/notesSlide9.xml><?xml version="1.0" encoding="utf-8"?>
+<p:notes xmlns:a="http://schemas.openxmlformats.org/drawingml/2006/main" xmlns:r="http://schemas.openxmlformats.org/officeDocument/2006/relationships" xmlns:p="http://schemas.openxmlformats.org/presentationml/2006/main">
+  <p:cSld>
+    <p:spTree>
+      <p:nvGrpSpPr>
+        <p:cNvPr id="1" name=""/>
+        <p:cNvGrpSpPr/>
+        <p:nvPr/>
+      </p:nvGrpSpPr>
+      <p:grpSpPr>
+        <a:xfrm>
+          <a:off x="0" y="0"/>
+          <a:ext cx="0" cy="0"/>
+          <a:chOff x="0" y="0"/>
+          <a:chExt cx="0" cy="0"/>
+        </a:xfrm>
+      </p:grpSpPr>
+      <p:sp>
+        <p:nvSpPr>
+          <p:cNvPr id="2" name="Slide Image Placeholder 1"/>
+          <p:cNvSpPr>
+            <a:spLocks noGrp="1" noRot="1" noChangeAspect="1"/>
+          </p:cNvSpPr>
+          <p:nvPr>
+            <p:ph type="sldImg"/>
+          </p:nvPr>
+        </p:nvSpPr>
+        <p:spPr/>
+      </p:sp>
+      <p:sp>
+        <p:nvSpPr>
+          <p:cNvPr id="3" name="Notes Placeholder 2"/>
+          <p:cNvSpPr>
+            <a:spLocks noGrp="1"/>
+          </p:cNvSpPr>
+          <p:nvPr>
+            <p:ph type="body" idx="1"/>
+          </p:nvPr>
+        </p:nvSpPr>
+        <p:spPr/>
+        <p:txBody>
+          <a:bodyPr/>
+          <a:lstStyle/>
+          <a:p>
+            <a:endParaRPr lang="en-US"/>
+          </a:p>
+        </p:txBody>
+      </p:sp>
+      <p:sp>
+        <p:nvSpPr>
+          <p:cNvPr id="4" name="Slide Number Placeholder 3"/>
+          <p:cNvSpPr>
+            <a:spLocks noGrp="1"/>
+          </p:cNvSpPr>
+          <p:nvPr>
+            <p:ph type="sldNum" sz="quarter" idx="10"/>
+          </p:nvPr>
+        </p:nvSpPr>
+        <p:spPr/>
+        <p:txBody>
+          <a:bodyPr/>
+          <a:lstStyle/>
+          <a:p>
+            <a:fld id="{DF8BA125-4052-4BA7-B5CB-A4B5D18D7EB9}" type="slidenum">
+              <a:rPr lang="en-US" smtClean="0"/>
+              <a:t>13</a:t>
             </a:fld>
             <a:endParaRPr lang="en-US"/>
           </a:p>
@@ -1052,7 +1402,7 @@
           <a:p>
             <a:fld id="{E09A0288-9031-4B04-9B7C-7390093B9278}" type="datetimeFigureOut">
               <a:rPr lang="en-US" smtClean="0"/>
-              <a:t>5/7/2018</a:t>
+              <a:t>5/10/2018</a:t>
             </a:fld>
             <a:endParaRPr lang="en-US"/>
           </a:p>
@@ -1337,7 +1687,7 @@
           <a:p>
             <a:fld id="{E09A0288-9031-4B04-9B7C-7390093B9278}" type="datetimeFigureOut">
               <a:rPr lang="en-US" smtClean="0"/>
-              <a:t>5/7/2018</a:t>
+              <a:t>5/10/2018</a:t>
             </a:fld>
             <a:endParaRPr lang="en-US"/>
           </a:p>
@@ -1469,7 +1819,7 @@
           <a:p>
             <a:fld id="{E09A0288-9031-4B04-9B7C-7390093B9278}" type="datetimeFigureOut">
               <a:rPr lang="en-US" smtClean="0"/>
-              <a:t>5/7/2018</a:t>
+              <a:t>5/10/2018</a:t>
             </a:fld>
             <a:endParaRPr lang="en-US"/>
           </a:p>
@@ -1868,7 +2218,7 @@
           <a:p>
             <a:fld id="{E09A0288-9031-4B04-9B7C-7390093B9278}" type="datetimeFigureOut">
               <a:rPr lang="en-US" smtClean="0"/>
-              <a:t>5/7/2018</a:t>
+              <a:t>5/10/2018</a:t>
             </a:fld>
             <a:endParaRPr lang="en-US"/>
           </a:p>
@@ -2453,12 +2803,16 @@
           <a:lstStyle/>
           <a:p>
             <a:r>
-              <a:rPr lang="en-US" smtClean="0"/>
-              <a:t>Kiến Trúc </a:t>
-            </a:r>
-            <a:r>
-              <a:rPr lang="en-US" smtClean="0"/>
-              <a:t>Salesforce – Kiến trúc chung</a:t>
+              <a:rPr lang="en-US"/>
+              <a:t>Dịch vụ </a:t>
+            </a:r>
+            <a:r>
+              <a:rPr lang="en-US"/>
+              <a:t>Salesforce </a:t>
+            </a:r>
+            <a:r>
+              <a:rPr lang="en-US" smtClean="0"/>
+              <a:t>PAAS</a:t>
             </a:r>
             <a:endParaRPr lang="en-US"/>
           </a:p>
@@ -2515,6 +2869,388 @@
         </p:nvSpPr>
         <p:spPr>
           <a:xfrm>
+            <a:off x="838200" y="1825625"/>
+            <a:ext cx="10515600" cy="4351338"/>
+          </a:xfrm>
+        </p:spPr>
+        <p:txBody>
+          <a:bodyPr/>
+          <a:lstStyle/>
+          <a:p>
+            <a:r>
+              <a:rPr lang="en-US" smtClean="0"/>
+              <a:t>Nền tản Lightning trong </a:t>
+            </a:r>
+            <a:r>
+              <a:rPr lang="en-US" smtClean="0"/>
+              <a:t>Salesforce</a:t>
+            </a:r>
+          </a:p>
+          <a:p>
+            <a:pPr lvl="1"/>
+            <a:r>
+              <a:rPr lang="en-US" smtClean="0"/>
+              <a:t>Phát triển trên nền tản Force.com</a:t>
+            </a:r>
+          </a:p>
+          <a:p>
+            <a:pPr lvl="1"/>
+            <a:r>
+              <a:rPr lang="en-US" smtClean="0"/>
+              <a:t>Cho phép người dùng mở rộng khả năng Salesforce về tìm kiếm, thống kế, API, truy vấn dữ liệu, ứng dụng mobile, quy trình (workflow)</a:t>
+            </a:r>
+          </a:p>
+          <a:p>
+            <a:pPr lvl="1"/>
+            <a:r>
+              <a:rPr lang="en-US" smtClean="0"/>
+              <a:t>Nến tản </a:t>
+            </a:r>
+            <a:r>
+              <a:rPr lang="en-US" u="sng" smtClean="0"/>
+              <a:t>đầu tiên</a:t>
+            </a:r>
+            <a:r>
+              <a:rPr lang="en-US" smtClean="0"/>
+              <a:t> hỗ trợ phát triển ứng dụng mà không cần lập trình (“low – code” hoặc “no code”)</a:t>
+            </a:r>
+            <a:endParaRPr lang="en-US" smtClean="0"/>
+          </a:p>
+          <a:p>
+            <a:endParaRPr lang="en-US" smtClean="0"/>
+          </a:p>
+          <a:p>
+            <a:endParaRPr lang="en-US" smtClean="0"/>
+          </a:p>
+        </p:txBody>
+      </p:sp>
+    </p:spTree>
+    <p:extLst>
+      <p:ext uri="{BB962C8B-B14F-4D97-AF65-F5344CB8AC3E}">
+        <p14:creationId xmlns:p14="http://schemas.microsoft.com/office/powerpoint/2010/main" val="2621458741"/>
+      </p:ext>
+    </p:extLst>
+  </p:cSld>
+  <p:clrMapOvr>
+    <a:masterClrMapping/>
+  </p:clrMapOvr>
+  <p:timing>
+    <p:tnLst>
+      <p:par>
+        <p:cTn id="1" dur="indefinite" restart="never" nodeType="tmRoot"/>
+      </p:par>
+    </p:tnLst>
+  </p:timing>
+</p:sld>
+</file>
+
+<file path=ppt/slides/slide11.xml><?xml version="1.0" encoding="utf-8"?>
+<p:sld xmlns:a="http://schemas.openxmlformats.org/drawingml/2006/main" xmlns:r="http://schemas.openxmlformats.org/officeDocument/2006/relationships" xmlns:p="http://schemas.openxmlformats.org/presentationml/2006/main">
+  <p:cSld>
+    <p:spTree>
+      <p:nvGrpSpPr>
+        <p:cNvPr id="1" name=""/>
+        <p:cNvGrpSpPr/>
+        <p:nvPr/>
+      </p:nvGrpSpPr>
+      <p:grpSpPr>
+        <a:xfrm>
+          <a:off x="0" y="0"/>
+          <a:ext cx="0" cy="0"/>
+          <a:chOff x="0" y="0"/>
+          <a:chExt cx="0" cy="0"/>
+        </a:xfrm>
+      </p:grpSpPr>
+      <p:sp>
+        <p:nvSpPr>
+          <p:cNvPr id="2" name="Title 1"/>
+          <p:cNvSpPr>
+            <a:spLocks noGrp="1"/>
+          </p:cNvSpPr>
+          <p:nvPr>
+            <p:ph type="title"/>
+          </p:nvPr>
+        </p:nvSpPr>
+        <p:spPr/>
+        <p:txBody>
+          <a:bodyPr/>
+          <a:lstStyle/>
+          <a:p>
+            <a:r>
+              <a:rPr lang="en-US"/>
+              <a:t>Dịch vụ Salesforce PAAS</a:t>
+            </a:r>
+            <a:endParaRPr lang="en-US"/>
+          </a:p>
+        </p:txBody>
+      </p:sp>
+      <p:sp>
+        <p:nvSpPr>
+          <p:cNvPr id="4" name="AutoShape 2" descr="A diagram outlining Salesforce architecture."/>
+          <p:cNvSpPr>
+            <a:spLocks noChangeAspect="1" noChangeArrowheads="1"/>
+          </p:cNvSpPr>
+          <p:nvPr/>
+        </p:nvSpPr>
+        <p:spPr bwMode="auto">
+          <a:xfrm>
+            <a:off x="155575" y="-144463"/>
+            <a:ext cx="304800" cy="304801"/>
+          </a:xfrm>
+          <a:prstGeom prst="rect">
+            <a:avLst/>
+          </a:prstGeom>
+          <a:noFill/>
+          <a:extLst>
+            <a:ext uri="{909E8E84-426E-40DD-AFC4-6F175D3DCCD1}">
+              <a14:hiddenFill xmlns:a14="http://schemas.microsoft.com/office/drawing/2010/main">
+                <a:solidFill>
+                  <a:srgbClr val="FFFFFF"/>
+                </a:solidFill>
+              </a14:hiddenFill>
+            </a:ext>
+          </a:extLst>
+        </p:spPr>
+        <p:txBody>
+          <a:bodyPr vert="horz" wrap="square" lIns="91440" tIns="45720" rIns="91440" bIns="45720" numCol="1" anchor="t" anchorCtr="0" compatLnSpc="1">
+            <a:prstTxWarp prst="textNoShape">
+              <a:avLst/>
+            </a:prstTxWarp>
+          </a:bodyPr>
+          <a:lstStyle/>
+          <a:p>
+            <a:endParaRPr lang="en-US"/>
+          </a:p>
+        </p:txBody>
+      </p:sp>
+      <p:sp>
+        <p:nvSpPr>
+          <p:cNvPr id="6" name="Content Placeholder 2"/>
+          <p:cNvSpPr>
+            <a:spLocks noGrp="1"/>
+          </p:cNvSpPr>
+          <p:nvPr>
+            <p:ph idx="1"/>
+          </p:nvPr>
+        </p:nvSpPr>
+        <p:spPr>
+          <a:xfrm>
+            <a:off x="4713890" y="1825625"/>
+            <a:ext cx="7315200" cy="5032374"/>
+          </a:xfrm>
+        </p:spPr>
+        <p:txBody>
+          <a:bodyPr>
+            <a:normAutofit/>
+          </a:bodyPr>
+          <a:lstStyle/>
+          <a:p>
+            <a:r>
+              <a:rPr lang="en-US" sz="2500" smtClean="0"/>
+              <a:t>Đối </a:t>
+            </a:r>
+            <a:r>
+              <a:rPr lang="en-US" smtClean="0"/>
+              <a:t>tượng</a:t>
+            </a:r>
+            <a:r>
+              <a:rPr lang="en-US" sz="2500" smtClean="0"/>
+              <a:t>: </a:t>
+            </a:r>
+          </a:p>
+          <a:p>
+            <a:pPr lvl="1"/>
+            <a:r>
+              <a:rPr lang="en-US" smtClean="0"/>
+              <a:t>Lập trình viên, Salesforce admin, và business analyst.</a:t>
+            </a:r>
+            <a:endParaRPr lang="en-US" smtClean="0"/>
+          </a:p>
+          <a:p>
+            <a:r>
+              <a:rPr lang="en-US" smtClean="0"/>
+              <a:t>Các thành phần chính:</a:t>
+            </a:r>
+          </a:p>
+          <a:p>
+            <a:pPr lvl="1"/>
+            <a:r>
+              <a:rPr lang="en-US" smtClean="0"/>
+              <a:t>Lighting App Builders: công cụ trực quan (drap-and-drop) hỗ trợ người dùng thiết kế giao diện</a:t>
+            </a:r>
+          </a:p>
+          <a:p>
+            <a:pPr lvl="1"/>
+            <a:r>
+              <a:rPr lang="en-US" smtClean="0"/>
+              <a:t>Lighting Components: thành phần build-in GUI </a:t>
+            </a:r>
+          </a:p>
+          <a:p>
+            <a:pPr lvl="1"/>
+            <a:r>
+              <a:rPr lang="en-US" smtClean="0"/>
+              <a:t>Lighting Process Builder: công cụ trực quan hỗ trợ thiết kế yêu cầu nghiệp vụ</a:t>
+            </a:r>
+          </a:p>
+          <a:p>
+            <a:pPr lvl="1"/>
+            <a:r>
+              <a:rPr lang="en-US" smtClean="0"/>
+              <a:t>Lighting Connect: kế nối hệ thống cơ sở dữ liệu</a:t>
+            </a:r>
+            <a:endParaRPr lang="en-US" smtClean="0"/>
+          </a:p>
+          <a:p>
+            <a:endParaRPr lang="en-US" sz="2500" smtClean="0"/>
+          </a:p>
+          <a:p>
+            <a:endParaRPr lang="en-US" sz="2500" smtClean="0"/>
+          </a:p>
+          <a:p>
+            <a:endParaRPr lang="en-US" sz="2500" smtClean="0"/>
+          </a:p>
+        </p:txBody>
+      </p:sp>
+      <p:pic>
+        <p:nvPicPr>
+          <p:cNvPr id="3" name="Picture 2"/>
+          <p:cNvPicPr>
+            <a:picLocks noChangeAspect="1"/>
+          </p:cNvPicPr>
+          <p:nvPr/>
+        </p:nvPicPr>
+        <p:blipFill>
+          <a:blip r:embed="rId3"/>
+          <a:stretch>
+            <a:fillRect/>
+          </a:stretch>
+        </p:blipFill>
+        <p:spPr>
+          <a:xfrm>
+            <a:off x="155574" y="1746794"/>
+            <a:ext cx="4558315" cy="5111205"/>
+          </a:xfrm>
+          <a:prstGeom prst="rect">
+            <a:avLst/>
+          </a:prstGeom>
+        </p:spPr>
+      </p:pic>
+    </p:spTree>
+    <p:extLst>
+      <p:ext uri="{BB962C8B-B14F-4D97-AF65-F5344CB8AC3E}">
+        <p14:creationId xmlns:p14="http://schemas.microsoft.com/office/powerpoint/2010/main" val="1950933516"/>
+      </p:ext>
+    </p:extLst>
+  </p:cSld>
+  <p:clrMapOvr>
+    <a:masterClrMapping/>
+  </p:clrMapOvr>
+  <p:timing>
+    <p:tnLst>
+      <p:par>
+        <p:cTn id="1" dur="indefinite" restart="never" nodeType="tmRoot"/>
+      </p:par>
+    </p:tnLst>
+  </p:timing>
+</p:sld>
+</file>
+
+<file path=ppt/slides/slide12.xml><?xml version="1.0" encoding="utf-8"?>
+<p:sld xmlns:a="http://schemas.openxmlformats.org/drawingml/2006/main" xmlns:r="http://schemas.openxmlformats.org/officeDocument/2006/relationships" xmlns:p="http://schemas.openxmlformats.org/presentationml/2006/main">
+  <p:cSld>
+    <p:spTree>
+      <p:nvGrpSpPr>
+        <p:cNvPr id="1" name=""/>
+        <p:cNvGrpSpPr/>
+        <p:nvPr/>
+      </p:nvGrpSpPr>
+      <p:grpSpPr>
+        <a:xfrm>
+          <a:off x="0" y="0"/>
+          <a:ext cx="0" cy="0"/>
+          <a:chOff x="0" y="0"/>
+          <a:chExt cx="0" cy="0"/>
+        </a:xfrm>
+      </p:grpSpPr>
+      <p:sp>
+        <p:nvSpPr>
+          <p:cNvPr id="2" name="Title 1"/>
+          <p:cNvSpPr>
+            <a:spLocks noGrp="1"/>
+          </p:cNvSpPr>
+          <p:nvPr>
+            <p:ph type="title"/>
+          </p:nvPr>
+        </p:nvSpPr>
+        <p:spPr/>
+        <p:txBody>
+          <a:bodyPr/>
+          <a:lstStyle/>
+          <a:p>
+            <a:r>
+              <a:rPr lang="en-US" smtClean="0"/>
+              <a:t>Kiến Trúc </a:t>
+            </a:r>
+            <a:r>
+              <a:rPr lang="en-US" smtClean="0"/>
+              <a:t>Salesforce</a:t>
+            </a:r>
+            <a:endParaRPr lang="en-US"/>
+          </a:p>
+        </p:txBody>
+      </p:sp>
+      <p:sp>
+        <p:nvSpPr>
+          <p:cNvPr id="4" name="AutoShape 2" descr="A diagram outlining Salesforce architecture."/>
+          <p:cNvSpPr>
+            <a:spLocks noChangeAspect="1" noChangeArrowheads="1"/>
+          </p:cNvSpPr>
+          <p:nvPr/>
+        </p:nvSpPr>
+        <p:spPr bwMode="auto">
+          <a:xfrm>
+            <a:off x="155575" y="-144463"/>
+            <a:ext cx="304800" cy="304801"/>
+          </a:xfrm>
+          <a:prstGeom prst="rect">
+            <a:avLst/>
+          </a:prstGeom>
+          <a:noFill/>
+          <a:extLst>
+            <a:ext uri="{909E8E84-426E-40DD-AFC4-6F175D3DCCD1}">
+              <a14:hiddenFill xmlns:a14="http://schemas.microsoft.com/office/drawing/2010/main">
+                <a:solidFill>
+                  <a:srgbClr val="FFFFFF"/>
+                </a:solidFill>
+              </a14:hiddenFill>
+            </a:ext>
+          </a:extLst>
+        </p:spPr>
+        <p:txBody>
+          <a:bodyPr vert="horz" wrap="square" lIns="91440" tIns="45720" rIns="91440" bIns="45720" numCol="1" anchor="t" anchorCtr="0" compatLnSpc="1">
+            <a:prstTxWarp prst="textNoShape">
+              <a:avLst/>
+            </a:prstTxWarp>
+          </a:bodyPr>
+          <a:lstStyle/>
+          <a:p>
+            <a:endParaRPr lang="en-US"/>
+          </a:p>
+        </p:txBody>
+      </p:sp>
+      <p:sp>
+        <p:nvSpPr>
+          <p:cNvPr id="6" name="Content Placeholder 2"/>
+          <p:cNvSpPr>
+            <a:spLocks noGrp="1"/>
+          </p:cNvSpPr>
+          <p:nvPr>
+            <p:ph idx="1"/>
+          </p:nvPr>
+        </p:nvSpPr>
+        <p:spPr>
+          <a:xfrm>
             <a:off x="838200" y="1809860"/>
             <a:ext cx="11222420" cy="2273409"/>
           </a:xfrm>
@@ -2550,7 +3286,6 @@
               <a:rPr lang="en-US" smtClean="0"/>
               <a:t>Nhóm người dùng sẽ sử dụng phần mếm một cách độc lập</a:t>
             </a:r>
-            <a:endParaRPr lang="en-US" smtClean="0"/>
           </a:p>
           <a:p>
             <a:endParaRPr lang="en-US" smtClean="0"/>
@@ -2959,7 +3694,7 @@
 </p:sld>
 </file>
 
-<file path=ppt/slides/slide11.xml><?xml version="1.0" encoding="utf-8"?>
+<file path=ppt/slides/slide13.xml><?xml version="1.0" encoding="utf-8"?>
 <p:sld xmlns:a="http://schemas.openxmlformats.org/drawingml/2006/main" xmlns:r="http://schemas.openxmlformats.org/officeDocument/2006/relationships" xmlns:p="http://schemas.openxmlformats.org/presentationml/2006/main">
   <p:cSld>
     <p:spTree>
@@ -2997,7 +3732,7 @@
             </a:r>
             <a:r>
               <a:rPr lang="en-US" smtClean="0"/>
-              <a:t>Salesforce – Kiến trúc chung</a:t>
+              <a:t>Salesforce</a:t>
             </a:r>
             <a:endParaRPr lang="en-US"/>
           </a:p>
@@ -3116,11 +3851,7 @@
           <a:p>
             <a:r>
               <a:rPr lang="en-US"/>
-              <a:t>Tính chịu lỗi (Fault </a:t>
-            </a:r>
-            <a:r>
-              <a:rPr lang="en-US"/>
-              <a:t>Isolation</a:t>
+              <a:t>Tính chịu lỗi (Fault Isolation</a:t>
             </a:r>
             <a:r>
               <a:rPr lang="en-US" smtClean="0"/>
@@ -3183,7 +3914,7 @@
 </p:sld>
 </file>
 
-<file path=ppt/slides/slide12.xml><?xml version="1.0" encoding="utf-8"?>
+<file path=ppt/slides/slide14.xml><?xml version="1.0" encoding="utf-8"?>
 <p:sld xmlns:a="http://schemas.openxmlformats.org/drawingml/2006/main" xmlns:r="http://schemas.openxmlformats.org/officeDocument/2006/relationships" xmlns:p="http://schemas.openxmlformats.org/presentationml/2006/main">
   <p:cSld>
     <p:spTree>
@@ -3217,7 +3948,11 @@
           <a:p>
             <a:r>
               <a:rPr lang="en-US" smtClean="0"/>
-              <a:t>Demo Cách Sử Dụng</a:t>
+              <a:t>Demo Cách Sử </a:t>
+            </a:r>
+            <a:r>
+              <a:rPr lang="en-US" smtClean="0"/>
+              <a:t>Dụng Sales Cloud</a:t>
             </a:r>
             <a:endParaRPr lang="en-US"/>
           </a:p>
@@ -3233,66 +3968,541 @@
             <p:ph idx="1"/>
           </p:nvPr>
         </p:nvSpPr>
-        <p:spPr/>
+        <p:spPr>
+          <a:xfrm>
+            <a:off x="838200" y="1825625"/>
+            <a:ext cx="10515600" cy="1845114"/>
+          </a:xfrm>
+        </p:spPr>
         <p:txBody>
           <a:bodyPr/>
           <a:lstStyle/>
           <a:p>
             <a:r>
               <a:rPr lang="en-US" smtClean="0"/>
-              <a:t>Demo Sales Cloud</a:t>
-            </a:r>
-          </a:p>
-          <a:p>
-            <a:pPr lvl="1"/>
-            <a:r>
-              <a:rPr lang="en-US" smtClean="0"/>
-              <a:t>Tạo Lead</a:t>
-            </a:r>
-          </a:p>
-          <a:p>
-            <a:pPr lvl="1"/>
-            <a:r>
-              <a:rPr lang="en-US" smtClean="0"/>
-              <a:t>Tạo </a:t>
-            </a:r>
-            <a:r>
-              <a:rPr lang="en-US"/>
-              <a:t>Account, Contact</a:t>
-            </a:r>
-            <a:r>
-              <a:rPr lang="en-US"/>
-              <a:t>, </a:t>
-            </a:r>
-            <a:r>
-              <a:rPr lang="en-US" smtClean="0"/>
-              <a:t>Opportunities từ Lead</a:t>
-            </a:r>
-          </a:p>
-          <a:p>
-            <a:pPr lvl="1"/>
-            <a:r>
-              <a:rPr lang="en-US" smtClean="0"/>
-              <a:t>Báo cáo</a:t>
-            </a:r>
-          </a:p>
-          <a:p>
-            <a:pPr lvl="1"/>
-            <a:r>
-              <a:rPr lang="en-US" smtClean="0"/>
-              <a:t>Chat, Activity</a:t>
+              <a:t>Tình huống: công ty cần một nơi quản lý tập trung tất cả thông tin liên lạc của một cá nhân đến khách hàng để có cái nhìn tổng quan và nhất quán cho khách hàng giữa các thành viên. Từ đó đánh giá hiệu quả bán hàng của công ty.</a:t>
             </a:r>
             <a:endParaRPr lang="en-US" smtClean="0"/>
           </a:p>
           <a:p>
-            <a:pPr lvl="1"/>
-            <a:endParaRPr lang="en-US" smtClean="0"/>
-          </a:p>
-          <a:p>
-            <a:endParaRPr lang="en-US"/>
-          </a:p>
-        </p:txBody>
-      </p:sp>
+            <a:endParaRPr lang="en-US"/>
+          </a:p>
+        </p:txBody>
+      </p:sp>
+      <p:pic>
+        <p:nvPicPr>
+          <p:cNvPr id="5" name="Picture 4"/>
+          <p:cNvPicPr>
+            <a:picLocks noChangeAspect="1"/>
+          </p:cNvPicPr>
+          <p:nvPr/>
+        </p:nvPicPr>
+        <p:blipFill>
+          <a:blip r:embed="rId2"/>
+          <a:stretch>
+            <a:fillRect/>
+          </a:stretch>
+        </p:blipFill>
+        <p:spPr>
+          <a:xfrm>
+            <a:off x="5499591" y="4818421"/>
+            <a:ext cx="1181591" cy="1220332"/>
+          </a:xfrm>
+          <a:prstGeom prst="rect">
+            <a:avLst/>
+          </a:prstGeom>
+        </p:spPr>
+      </p:pic>
+      <p:sp>
+        <p:nvSpPr>
+          <p:cNvPr id="6" name="Cloud 5"/>
+          <p:cNvSpPr/>
+          <p:nvPr/>
+        </p:nvSpPr>
+        <p:spPr>
+          <a:xfrm>
+            <a:off x="6492608" y="3350670"/>
+            <a:ext cx="1484744" cy="927971"/>
+          </a:xfrm>
+          <a:prstGeom prst="cloud">
+            <a:avLst/>
+          </a:prstGeom>
+        </p:spPr>
+        <p:style>
+          <a:lnRef idx="2">
+            <a:schemeClr val="accent1">
+              <a:shade val="50000"/>
+            </a:schemeClr>
+          </a:lnRef>
+          <a:fillRef idx="1">
+            <a:schemeClr val="accent1"/>
+          </a:fillRef>
+          <a:effectRef idx="0">
+            <a:schemeClr val="accent1"/>
+          </a:effectRef>
+          <a:fontRef idx="minor">
+            <a:schemeClr val="lt1"/>
+          </a:fontRef>
+        </p:style>
+        <p:txBody>
+          <a:bodyPr rtlCol="0" anchor="ctr"/>
+          <a:lstStyle/>
+          <a:p>
+            <a:pPr algn="ctr"/>
+            <a:r>
+              <a:rPr lang="en-US" smtClean="0"/>
+              <a:t>Account</a:t>
+            </a:r>
+            <a:endParaRPr lang="en-US"/>
+          </a:p>
+        </p:txBody>
+      </p:sp>
+      <p:sp>
+        <p:nvSpPr>
+          <p:cNvPr id="7" name="Cloud 6"/>
+          <p:cNvSpPr/>
+          <p:nvPr/>
+        </p:nvSpPr>
+        <p:spPr>
+          <a:xfrm>
+            <a:off x="7845719" y="4336240"/>
+            <a:ext cx="1518744" cy="752305"/>
+          </a:xfrm>
+          <a:prstGeom prst="cloud">
+            <a:avLst/>
+          </a:prstGeom>
+        </p:spPr>
+        <p:style>
+          <a:lnRef idx="2">
+            <a:schemeClr val="accent1">
+              <a:shade val="50000"/>
+            </a:schemeClr>
+          </a:lnRef>
+          <a:fillRef idx="1">
+            <a:schemeClr val="accent1"/>
+          </a:fillRef>
+          <a:effectRef idx="0">
+            <a:schemeClr val="accent1"/>
+          </a:effectRef>
+          <a:fontRef idx="minor">
+            <a:schemeClr val="lt1"/>
+          </a:fontRef>
+        </p:style>
+        <p:txBody>
+          <a:bodyPr rtlCol="0" anchor="ctr"/>
+          <a:lstStyle/>
+          <a:p>
+            <a:pPr algn="ctr"/>
+            <a:r>
+              <a:rPr lang="en-US" smtClean="0"/>
+              <a:t>Chatter</a:t>
+            </a:r>
+            <a:endParaRPr lang="en-US"/>
+          </a:p>
+        </p:txBody>
+      </p:sp>
+      <p:sp>
+        <p:nvSpPr>
+          <p:cNvPr id="8" name="Cloud 7"/>
+          <p:cNvSpPr/>
+          <p:nvPr/>
+        </p:nvSpPr>
+        <p:spPr>
+          <a:xfrm>
+            <a:off x="2260806" y="4102975"/>
+            <a:ext cx="1686910" cy="945931"/>
+          </a:xfrm>
+          <a:prstGeom prst="cloud">
+            <a:avLst/>
+          </a:prstGeom>
+        </p:spPr>
+        <p:style>
+          <a:lnRef idx="2">
+            <a:schemeClr val="accent1">
+              <a:shade val="50000"/>
+            </a:schemeClr>
+          </a:lnRef>
+          <a:fillRef idx="1">
+            <a:schemeClr val="accent1"/>
+          </a:fillRef>
+          <a:effectRef idx="0">
+            <a:schemeClr val="accent1"/>
+          </a:effectRef>
+          <a:fontRef idx="minor">
+            <a:schemeClr val="lt1"/>
+          </a:fontRef>
+        </p:style>
+        <p:txBody>
+          <a:bodyPr rtlCol="0" anchor="ctr"/>
+          <a:lstStyle/>
+          <a:p>
+            <a:pPr algn="ctr"/>
+            <a:r>
+              <a:rPr lang="en-US" smtClean="0"/>
+              <a:t>Lead</a:t>
+            </a:r>
+            <a:endParaRPr lang="en-US"/>
+          </a:p>
+        </p:txBody>
+      </p:sp>
+      <p:sp>
+        <p:nvSpPr>
+          <p:cNvPr id="9" name="Cloud 8"/>
+          <p:cNvSpPr/>
+          <p:nvPr/>
+        </p:nvSpPr>
+        <p:spPr>
+          <a:xfrm>
+            <a:off x="4226547" y="3332710"/>
+            <a:ext cx="1686910" cy="945931"/>
+          </a:xfrm>
+          <a:prstGeom prst="cloud">
+            <a:avLst/>
+          </a:prstGeom>
+        </p:spPr>
+        <p:style>
+          <a:lnRef idx="2">
+            <a:schemeClr val="accent1">
+              <a:shade val="50000"/>
+            </a:schemeClr>
+          </a:lnRef>
+          <a:fillRef idx="1">
+            <a:schemeClr val="accent1"/>
+          </a:fillRef>
+          <a:effectRef idx="0">
+            <a:schemeClr val="accent1"/>
+          </a:effectRef>
+          <a:fontRef idx="minor">
+            <a:schemeClr val="lt1"/>
+          </a:fontRef>
+        </p:style>
+        <p:txBody>
+          <a:bodyPr rtlCol="0" anchor="ctr"/>
+          <a:lstStyle/>
+          <a:p>
+            <a:pPr algn="ctr"/>
+            <a:r>
+              <a:rPr lang="en-US" smtClean="0"/>
+              <a:t>Contact</a:t>
+            </a:r>
+            <a:endParaRPr lang="en-US"/>
+          </a:p>
+        </p:txBody>
+      </p:sp>
+      <p:sp>
+        <p:nvSpPr>
+          <p:cNvPr id="10" name="Cloud 9"/>
+          <p:cNvSpPr/>
+          <p:nvPr/>
+        </p:nvSpPr>
+        <p:spPr>
+          <a:xfrm>
+            <a:off x="7882707" y="5445389"/>
+            <a:ext cx="1865586" cy="1098331"/>
+          </a:xfrm>
+          <a:prstGeom prst="cloud">
+            <a:avLst/>
+          </a:prstGeom>
+        </p:spPr>
+        <p:style>
+          <a:lnRef idx="2">
+            <a:schemeClr val="accent1">
+              <a:shade val="50000"/>
+            </a:schemeClr>
+          </a:lnRef>
+          <a:fillRef idx="1">
+            <a:schemeClr val="accent1"/>
+          </a:fillRef>
+          <a:effectRef idx="0">
+            <a:schemeClr val="accent1"/>
+          </a:effectRef>
+          <a:fontRef idx="minor">
+            <a:schemeClr val="lt1"/>
+          </a:fontRef>
+        </p:style>
+        <p:txBody>
+          <a:bodyPr rtlCol="0" anchor="ctr"/>
+          <a:lstStyle/>
+          <a:p>
+            <a:pPr algn="ctr"/>
+            <a:r>
+              <a:rPr lang="en-US" smtClean="0"/>
+              <a:t>Dashboard</a:t>
+            </a:r>
+            <a:endParaRPr lang="en-US"/>
+          </a:p>
+        </p:txBody>
+      </p:sp>
+      <p:sp>
+        <p:nvSpPr>
+          <p:cNvPr id="11" name="Cloud 10"/>
+          <p:cNvSpPr/>
+          <p:nvPr/>
+        </p:nvSpPr>
+        <p:spPr>
+          <a:xfrm>
+            <a:off x="2066215" y="5557342"/>
+            <a:ext cx="1686910" cy="945931"/>
+          </a:xfrm>
+          <a:prstGeom prst="cloud">
+            <a:avLst/>
+          </a:prstGeom>
+        </p:spPr>
+        <p:style>
+          <a:lnRef idx="2">
+            <a:schemeClr val="accent1">
+              <a:shade val="50000"/>
+            </a:schemeClr>
+          </a:lnRef>
+          <a:fillRef idx="1">
+            <a:schemeClr val="accent1"/>
+          </a:fillRef>
+          <a:effectRef idx="0">
+            <a:schemeClr val="accent1"/>
+          </a:effectRef>
+          <a:fontRef idx="minor">
+            <a:schemeClr val="lt1"/>
+          </a:fontRef>
+        </p:style>
+        <p:txBody>
+          <a:bodyPr rtlCol="0" anchor="ctr"/>
+          <a:lstStyle/>
+          <a:p>
+            <a:pPr algn="ctr"/>
+            <a:r>
+              <a:rPr lang="en-US" smtClean="0"/>
+              <a:t>Portal</a:t>
+            </a:r>
+            <a:endParaRPr lang="en-US"/>
+          </a:p>
+        </p:txBody>
+      </p:sp>
+      <p:pic>
+        <p:nvPicPr>
+          <p:cNvPr id="13" name="Picture 12"/>
+          <p:cNvPicPr>
+            <a:picLocks noChangeAspect="1"/>
+          </p:cNvPicPr>
+          <p:nvPr/>
+        </p:nvPicPr>
+        <p:blipFill>
+          <a:blip r:embed="rId3"/>
+          <a:stretch>
+            <a:fillRect/>
+          </a:stretch>
+        </p:blipFill>
+        <p:spPr>
+          <a:xfrm>
+            <a:off x="5228403" y="6209841"/>
+            <a:ext cx="1735192" cy="408103"/>
+          </a:xfrm>
+          <a:prstGeom prst="rect">
+            <a:avLst/>
+          </a:prstGeom>
+        </p:spPr>
+      </p:pic>
+      <p:cxnSp>
+        <p:nvCxnSpPr>
+          <p:cNvPr id="15" name="Straight Arrow Connector 14"/>
+          <p:cNvCxnSpPr/>
+          <p:nvPr/>
+        </p:nvCxnSpPr>
+        <p:spPr>
+          <a:xfrm flipV="1">
+            <a:off x="3947716" y="5601939"/>
+            <a:ext cx="1122286" cy="375814"/>
+          </a:xfrm>
+          <a:prstGeom prst="straightConnector1">
+            <a:avLst/>
+          </a:prstGeom>
+          <a:ln>
+            <a:tailEnd type="triangle"/>
+          </a:ln>
+        </p:spPr>
+        <p:style>
+          <a:lnRef idx="1">
+            <a:schemeClr val="accent1"/>
+          </a:lnRef>
+          <a:fillRef idx="0">
+            <a:schemeClr val="accent1"/>
+          </a:fillRef>
+          <a:effectRef idx="0">
+            <a:schemeClr val="accent1"/>
+          </a:effectRef>
+          <a:fontRef idx="minor">
+            <a:schemeClr val="tx1"/>
+          </a:fontRef>
+        </p:style>
+      </p:cxnSp>
+      <p:cxnSp>
+        <p:nvCxnSpPr>
+          <p:cNvPr id="17" name="Straight Arrow Connector 16"/>
+          <p:cNvCxnSpPr>
+            <a:stCxn id="8" idx="0"/>
+          </p:cNvCxnSpPr>
+          <p:nvPr/>
+        </p:nvCxnSpPr>
+        <p:spPr>
+          <a:xfrm>
+            <a:off x="3946310" y="4575941"/>
+            <a:ext cx="1274015" cy="539779"/>
+          </a:xfrm>
+          <a:prstGeom prst="straightConnector1">
+            <a:avLst/>
+          </a:prstGeom>
+          <a:ln>
+            <a:tailEnd type="triangle"/>
+          </a:ln>
+        </p:spPr>
+        <p:style>
+          <a:lnRef idx="1">
+            <a:schemeClr val="accent1"/>
+          </a:lnRef>
+          <a:fillRef idx="0">
+            <a:schemeClr val="accent1"/>
+          </a:fillRef>
+          <a:effectRef idx="0">
+            <a:schemeClr val="accent1"/>
+          </a:effectRef>
+          <a:fontRef idx="minor">
+            <a:schemeClr val="tx1"/>
+          </a:fontRef>
+        </p:style>
+      </p:cxnSp>
+      <p:cxnSp>
+        <p:nvCxnSpPr>
+          <p:cNvPr id="18" name="Straight Arrow Connector 17"/>
+          <p:cNvCxnSpPr>
+            <a:stCxn id="9" idx="1"/>
+          </p:cNvCxnSpPr>
+          <p:nvPr/>
+        </p:nvCxnSpPr>
+        <p:spPr>
+          <a:xfrm>
+            <a:off x="5070002" y="4277634"/>
+            <a:ext cx="601458" cy="473973"/>
+          </a:xfrm>
+          <a:prstGeom prst="straightConnector1">
+            <a:avLst/>
+          </a:prstGeom>
+          <a:ln>
+            <a:tailEnd type="triangle"/>
+          </a:ln>
+        </p:spPr>
+        <p:style>
+          <a:lnRef idx="1">
+            <a:schemeClr val="accent1"/>
+          </a:lnRef>
+          <a:fillRef idx="0">
+            <a:schemeClr val="accent1"/>
+          </a:fillRef>
+          <a:effectRef idx="0">
+            <a:schemeClr val="accent1"/>
+          </a:effectRef>
+          <a:fontRef idx="minor">
+            <a:schemeClr val="tx1"/>
+          </a:fontRef>
+        </p:style>
+      </p:cxnSp>
+      <p:cxnSp>
+        <p:nvCxnSpPr>
+          <p:cNvPr id="22" name="Straight Arrow Connector 21"/>
+          <p:cNvCxnSpPr/>
+          <p:nvPr/>
+        </p:nvCxnSpPr>
+        <p:spPr>
+          <a:xfrm flipH="1">
+            <a:off x="6508402" y="4234902"/>
+            <a:ext cx="334585" cy="570621"/>
+          </a:xfrm>
+          <a:prstGeom prst="straightConnector1">
+            <a:avLst/>
+          </a:prstGeom>
+          <a:ln>
+            <a:tailEnd type="triangle"/>
+          </a:ln>
+        </p:spPr>
+        <p:style>
+          <a:lnRef idx="1">
+            <a:schemeClr val="accent1"/>
+          </a:lnRef>
+          <a:fillRef idx="0">
+            <a:schemeClr val="accent1"/>
+          </a:fillRef>
+          <a:effectRef idx="0">
+            <a:schemeClr val="accent1"/>
+          </a:effectRef>
+          <a:fontRef idx="minor">
+            <a:schemeClr val="tx1"/>
+          </a:fontRef>
+        </p:style>
+      </p:cxnSp>
+      <p:cxnSp>
+        <p:nvCxnSpPr>
+          <p:cNvPr id="24" name="Straight Arrow Connector 23"/>
+          <p:cNvCxnSpPr/>
+          <p:nvPr/>
+        </p:nvCxnSpPr>
+        <p:spPr>
+          <a:xfrm flipH="1">
+            <a:off x="6875474" y="4942436"/>
+            <a:ext cx="868853" cy="312875"/>
+          </a:xfrm>
+          <a:prstGeom prst="straightConnector1">
+            <a:avLst/>
+          </a:prstGeom>
+          <a:ln>
+            <a:tailEnd type="triangle"/>
+          </a:ln>
+        </p:spPr>
+        <p:style>
+          <a:lnRef idx="1">
+            <a:schemeClr val="accent1"/>
+          </a:lnRef>
+          <a:fillRef idx="0">
+            <a:schemeClr val="accent1"/>
+          </a:fillRef>
+          <a:effectRef idx="0">
+            <a:schemeClr val="accent1"/>
+          </a:effectRef>
+          <a:fontRef idx="minor">
+            <a:schemeClr val="tx1"/>
+          </a:fontRef>
+        </p:style>
+      </p:cxnSp>
+      <p:cxnSp>
+        <p:nvCxnSpPr>
+          <p:cNvPr id="25" name="Straight Arrow Connector 24"/>
+          <p:cNvCxnSpPr/>
+          <p:nvPr/>
+        </p:nvCxnSpPr>
+        <p:spPr>
+          <a:xfrm flipH="1" flipV="1">
+            <a:off x="6816468" y="5752340"/>
+            <a:ext cx="1045690" cy="444603"/>
+          </a:xfrm>
+          <a:prstGeom prst="straightConnector1">
+            <a:avLst/>
+          </a:prstGeom>
+          <a:ln>
+            <a:tailEnd type="triangle"/>
+          </a:ln>
+        </p:spPr>
+        <p:style>
+          <a:lnRef idx="1">
+            <a:schemeClr val="accent1"/>
+          </a:lnRef>
+          <a:fillRef idx="0">
+            <a:schemeClr val="accent1"/>
+          </a:fillRef>
+          <a:effectRef idx="0">
+            <a:schemeClr val="accent1"/>
+          </a:effectRef>
+          <a:fontRef idx="minor">
+            <a:schemeClr val="tx1"/>
+          </a:fontRef>
+        </p:style>
+      </p:cxnSp>
     </p:spTree>
     <p:extLst>
       <p:ext uri="{BB962C8B-B14F-4D97-AF65-F5344CB8AC3E}">
@@ -3313,7 +4523,7 @@
 </p:sld>
 </file>
 
-<file path=ppt/slides/slide13.xml><?xml version="1.0" encoding="utf-8"?>
+<file path=ppt/slides/slide15.xml><?xml version="1.0" encoding="utf-8"?>
 <p:sld xmlns:a="http://schemas.openxmlformats.org/drawingml/2006/main" xmlns:r="http://schemas.openxmlformats.org/officeDocument/2006/relationships" xmlns:p="http://schemas.openxmlformats.org/presentationml/2006/main">
   <p:cSld>
     <p:spTree>
@@ -3495,13 +4705,11 @@
           <a:p>
             <a:r>
               <a:rPr lang="en-US" smtClean="0"/>
-              <a:t>Kiến Trúc</a:t>
-            </a:r>
-          </a:p>
-          <a:p>
-            <a:r>
-              <a:rPr lang="en-US"/>
-              <a:t>Dịch </a:t>
+              <a:t>Kiến </a:t>
+            </a:r>
+            <a:r>
+              <a:rPr lang="en-US" smtClean="0"/>
+              <a:t>Trúc &amp; Dịch </a:t>
             </a:r>
             <a:r>
               <a:rPr lang="en-US" smtClean="0"/>
@@ -3511,8 +4719,13 @@
           <a:p>
             <a:r>
               <a:rPr lang="en-US" smtClean="0"/>
-              <a:t>Demo Cách Sử Dụng</a:t>
-            </a:r>
+              <a:t>Demo Cách Sử </a:t>
+            </a:r>
+            <a:r>
+              <a:rPr lang="en-US" smtClean="0"/>
+              <a:t>Dụng Sales Cloud</a:t>
+            </a:r>
+            <a:endParaRPr lang="en-US" smtClean="0"/>
           </a:p>
           <a:p>
             <a:r>
@@ -3737,7 +4950,20 @@
           <a:p>
             <a:r>
               <a:rPr lang="en-US" smtClean="0"/>
-              <a:t>Salesforce.com là dịch vụ đám mây đáp ứng nhu cầu như</a:t>
+              <a:t>Salesforce.com là dịch vụ đám mây đầu tiên và lớn nhất hiện nay hỗ trợ cả người dùng cuối và kỹ sư lập trình</a:t>
+            </a:r>
+          </a:p>
+          <a:p>
+            <a:endParaRPr lang="en-US" smtClean="0"/>
+          </a:p>
+          <a:p>
+            <a:r>
+              <a:rPr lang="en-US" smtClean="0"/>
+              <a:t>Salesforce.com </a:t>
+            </a:r>
+            <a:r>
+              <a:rPr lang="en-US" smtClean="0"/>
+              <a:t>là dịch vụ đám mây đáp ứng nhu cầu như</a:t>
             </a:r>
           </a:p>
           <a:p>
@@ -3773,15 +4999,7 @@
           <a:p>
             <a:r>
               <a:rPr lang="en-US" smtClean="0"/>
-              <a:t>Salesforce cung cấp những loại dịch vụ: </a:t>
-            </a:r>
-            <a:r>
-              <a:rPr lang="en-US" smtClean="0"/>
-              <a:t>PAAS</a:t>
-            </a:r>
-            <a:r>
-              <a:rPr lang="en-US" smtClean="0"/>
-              <a:t>, SAAS</a:t>
+              <a:t>Salesforce cung cấp những loại dịch vụ: PAAS, SAAS</a:t>
             </a:r>
             <a:endParaRPr lang="en-US"/>
           </a:p>
@@ -3866,7 +5084,6 @@
               <a:rPr lang="en-US" smtClean="0"/>
               <a:t>PAAS</a:t>
             </a:r>
-            <a:endParaRPr lang="en-US" smtClean="0"/>
           </a:p>
           <a:p>
             <a:pPr lvl="1"/>
@@ -3921,7 +5138,6 @@
               <a:rPr lang="en-US" smtClean="0"/>
               <a:t>development (4 platforms)</a:t>
             </a:r>
-            <a:endParaRPr lang="en-US" smtClean="0"/>
           </a:p>
           <a:p>
             <a:pPr lvl="1"/>
@@ -4010,7 +5226,15 @@
           <a:p>
             <a:r>
               <a:rPr lang="en-US" smtClean="0"/>
-              <a:t>Kiến Trúc Salesforce</a:t>
+              <a:t>Kiến </a:t>
+            </a:r>
+            <a:r>
+              <a:rPr lang="en-US" smtClean="0"/>
+              <a:t>Trúc và Dịch Vụ </a:t>
+            </a:r>
+            <a:r>
+              <a:rPr lang="en-US" smtClean="0"/>
+              <a:t>Salesforce</a:t>
             </a:r>
             <a:endParaRPr lang="en-US"/>
           </a:p>
@@ -4118,11 +5342,6 @@
               </a:rPr>
               <a:t>#1 Web Scaling</a:t>
             </a:r>
-            <a:endParaRPr lang="en-US" b="1" smtClean="0">
-              <a:solidFill>
-                <a:schemeClr val="bg1"/>
-              </a:solidFill>
-            </a:endParaRPr>
           </a:p>
         </p:txBody>
       </p:sp>
@@ -4180,11 +5399,7 @@
           <a:p>
             <a:r>
               <a:rPr lang="en-US" smtClean="0"/>
-              <a:t>Kiến Trúc </a:t>
-            </a:r>
-            <a:r>
-              <a:rPr lang="en-US" smtClean="0"/>
-              <a:t>Salesforce (PAAS)</a:t>
+              <a:t>Dịch vụ Salesforce SAAS</a:t>
             </a:r>
             <a:endParaRPr lang="en-US"/>
           </a:p>
@@ -4247,7 +5462,7 @@
         </p:spPr>
         <p:txBody>
           <a:bodyPr>
-            <a:normAutofit lnSpcReduction="10000"/>
+            <a:normAutofit/>
           </a:bodyPr>
           <a:lstStyle/>
           <a:p>
@@ -4259,99 +5474,23 @@
               <a:rPr lang="en-US" smtClean="0">
                 <a:sym typeface="Wingdings" panose="05000000000000000000" pitchFamily="2" charset="2"/>
               </a:rPr>
-              <a:t> Account, Contact, Opportunities và Reports,etc.</a:t>
-            </a:r>
+              <a:t> Account, Contact, Opportunities và Reports,etc</a:t>
+            </a:r>
+            <a:r>
+              <a:rPr lang="en-US" smtClean="0">
+                <a:sym typeface="Wingdings" panose="05000000000000000000" pitchFamily="2" charset="2"/>
+              </a:rPr>
+              <a:t>.</a:t>
+            </a:r>
+          </a:p>
+          <a:p>
+            <a:r>
+              <a:rPr lang="en-US"/>
+              <a:t>AppExchange: như Apple store hoặc Play store cho phép cộng đồng người dùng phát triển nhiều sản phẩm và sẽ được triển khai trên Salesforce</a:t>
+            </a:r>
+          </a:p>
+          <a:p>
             <a:endParaRPr lang="en-US" smtClean="0"/>
-          </a:p>
-          <a:p>
-            <a:r>
-              <a:rPr lang="en-US" smtClean="0"/>
-              <a:t>Marketing Cloud: có 7 sản phẩm chính</a:t>
-            </a:r>
-          </a:p>
-          <a:p>
-            <a:pPr lvl="1"/>
-            <a:r>
-              <a:rPr lang="en-US"/>
-              <a:t>Email </a:t>
-            </a:r>
-            <a:r>
-              <a:rPr lang="en-US" smtClean="0"/>
-              <a:t>Studio: marketing bằng email</a:t>
-            </a:r>
-            <a:endParaRPr lang="en-US"/>
-          </a:p>
-          <a:p>
-            <a:pPr lvl="1"/>
-            <a:r>
-              <a:rPr lang="en-US"/>
-              <a:t>Mobile </a:t>
-            </a:r>
-            <a:r>
-              <a:rPr lang="en-US" smtClean="0"/>
-              <a:t>Studio: marketing bằng mobile (SMS)</a:t>
-            </a:r>
-            <a:endParaRPr lang="en-US"/>
-          </a:p>
-          <a:p>
-            <a:pPr lvl="1"/>
-            <a:r>
-              <a:rPr lang="en-US"/>
-              <a:t>Social </a:t>
-            </a:r>
-            <a:r>
-              <a:rPr lang="en-US" smtClean="0"/>
-              <a:t>Studio: marketing bằng mạng xã hội</a:t>
-            </a:r>
-            <a:endParaRPr lang="en-US"/>
-          </a:p>
-          <a:p>
-            <a:pPr lvl="1"/>
-            <a:r>
-              <a:rPr lang="en-US"/>
-              <a:t>Advertising </a:t>
-            </a:r>
-            <a:r>
-              <a:rPr lang="en-US" smtClean="0"/>
-              <a:t>Studio: công cụ tạo ra mẫu quảng cáo</a:t>
-            </a:r>
-            <a:endParaRPr lang="en-US"/>
-          </a:p>
-          <a:p>
-            <a:pPr lvl="1"/>
-            <a:r>
-              <a:rPr lang="en-US"/>
-              <a:t>Journey </a:t>
-            </a:r>
-            <a:r>
-              <a:rPr lang="en-US" smtClean="0"/>
-              <a:t>Builder: quản lý dữ liệu và tiếp cận khách hàng qua tất cả các kênh, kết nối dữ liệu giữa Sales Cloud và Service Cloud  </a:t>
-            </a:r>
-            <a:endParaRPr lang="en-US"/>
-          </a:p>
-          <a:p>
-            <a:pPr lvl="1"/>
-            <a:r>
-              <a:rPr lang="en-US"/>
-              <a:t>Salesforce </a:t>
-            </a:r>
-            <a:r>
-              <a:rPr lang="en-US" smtClean="0"/>
-              <a:t>DMP: quản lý khách hàng bất kỳ khi nào có sự tương tác (customer profiler)</a:t>
-            </a:r>
-            <a:endParaRPr lang="en-US"/>
-          </a:p>
-          <a:p>
-            <a:pPr lvl="1"/>
-            <a:r>
-              <a:rPr lang="en-US"/>
-              <a:t>Data </a:t>
-            </a:r>
-            <a:r>
-              <a:rPr lang="en-US" smtClean="0"/>
-              <a:t>Studio: công cụ hỗ trợ chia sẽ dữ liệu</a:t>
-            </a:r>
-            <a:endParaRPr lang="en-US"/>
           </a:p>
           <a:p>
             <a:pPr lvl="1"/>
@@ -4386,7 +5525,7 @@
     </p:spTree>
     <p:extLst>
       <p:ext uri="{BB962C8B-B14F-4D97-AF65-F5344CB8AC3E}">
-        <p14:creationId xmlns:p14="http://schemas.microsoft.com/office/powerpoint/2010/main" val="3697114754"/>
+        <p14:creationId xmlns:p14="http://schemas.microsoft.com/office/powerpoint/2010/main" val="3279226828"/>
       </p:ext>
     </p:extLst>
   </p:cSld>
@@ -4437,11 +5576,7 @@
           <a:p>
             <a:r>
               <a:rPr lang="en-US" smtClean="0"/>
-              <a:t>Kiến Trúc </a:t>
-            </a:r>
-            <a:r>
-              <a:rPr lang="en-US" smtClean="0"/>
-              <a:t>Salesforce (PAAS)</a:t>
+              <a:t>Dịch vụ Salesforce SAAS</a:t>
             </a:r>
             <a:endParaRPr lang="en-US"/>
           </a:p>
@@ -4498,29 +5633,111 @@
         </p:nvSpPr>
         <p:spPr>
           <a:xfrm>
-            <a:off x="838200" y="1825625"/>
-            <a:ext cx="10515600" cy="4351338"/>
+            <a:off x="838199" y="1825625"/>
+            <a:ext cx="11222421" cy="4351338"/>
           </a:xfrm>
         </p:spPr>
         <p:txBody>
-          <a:bodyPr/>
-          <a:lstStyle/>
-          <a:p>
-            <a:r>
-              <a:rPr lang="en-US" smtClean="0"/>
-              <a:t>AppExchange: như Apple store hoặc Play store cho phép cộng đồng người dùng phát triển nhiều sản phẩm và sẽ được triển khai trên Salesforce</a:t>
-            </a:r>
-          </a:p>
-          <a:p>
-            <a:r>
-              <a:rPr lang="en-US" smtClean="0"/>
-              <a:t>Analytic Cloud: hỗ trợ Einstein action</a:t>
-            </a:r>
-          </a:p>
-          <a:p>
-            <a:endParaRPr lang="en-US" smtClean="0"/>
-          </a:p>
-          <a:p>
+          <a:bodyPr>
+            <a:normAutofit/>
+          </a:bodyPr>
+          <a:lstStyle/>
+          <a:p>
+            <a:r>
+              <a:rPr lang="en-US" smtClean="0"/>
+              <a:t>Marketing </a:t>
+            </a:r>
+            <a:r>
+              <a:rPr lang="en-US" smtClean="0"/>
+              <a:t>Cloud: có 7 sản phẩm chính</a:t>
+            </a:r>
+          </a:p>
+          <a:p>
+            <a:pPr lvl="1"/>
+            <a:r>
+              <a:rPr lang="en-US"/>
+              <a:t>Email </a:t>
+            </a:r>
+            <a:r>
+              <a:rPr lang="en-US" smtClean="0"/>
+              <a:t>Studio: marketing bằng email</a:t>
+            </a:r>
+            <a:endParaRPr lang="en-US"/>
+          </a:p>
+          <a:p>
+            <a:pPr lvl="1"/>
+            <a:r>
+              <a:rPr lang="en-US"/>
+              <a:t>Mobile </a:t>
+            </a:r>
+            <a:r>
+              <a:rPr lang="en-US" smtClean="0"/>
+              <a:t>Studio: marketing bằng mobile (SMS)</a:t>
+            </a:r>
+            <a:endParaRPr lang="en-US"/>
+          </a:p>
+          <a:p>
+            <a:pPr lvl="1"/>
+            <a:r>
+              <a:rPr lang="en-US"/>
+              <a:t>Social </a:t>
+            </a:r>
+            <a:r>
+              <a:rPr lang="en-US" smtClean="0"/>
+              <a:t>Studio: marketing bằng mạng xã hội</a:t>
+            </a:r>
+            <a:endParaRPr lang="en-US"/>
+          </a:p>
+          <a:p>
+            <a:pPr lvl="1"/>
+            <a:r>
+              <a:rPr lang="en-US"/>
+              <a:t>Advertising </a:t>
+            </a:r>
+            <a:r>
+              <a:rPr lang="en-US" smtClean="0"/>
+              <a:t>Studio: công cụ tạo ra mẫu quảng cáo</a:t>
+            </a:r>
+            <a:endParaRPr lang="en-US"/>
+          </a:p>
+          <a:p>
+            <a:pPr lvl="1"/>
+            <a:r>
+              <a:rPr lang="en-US"/>
+              <a:t>Journey </a:t>
+            </a:r>
+            <a:r>
+              <a:rPr lang="en-US" smtClean="0"/>
+              <a:t>Builder: quản lý dữ liệu và tiếp cận khách hàng qua tất cả các kênh, kết nối dữ liệu giữa Sales Cloud và Service Cloud  </a:t>
+            </a:r>
+            <a:endParaRPr lang="en-US"/>
+          </a:p>
+          <a:p>
+            <a:pPr lvl="1"/>
+            <a:r>
+              <a:rPr lang="en-US"/>
+              <a:t>Salesforce </a:t>
+            </a:r>
+            <a:r>
+              <a:rPr lang="en-US" smtClean="0"/>
+              <a:t>DMP: quản lý khách hàng bất kỳ khi nào có sự tương tác (customer profiler)</a:t>
+            </a:r>
+            <a:endParaRPr lang="en-US"/>
+          </a:p>
+          <a:p>
+            <a:pPr lvl="1"/>
+            <a:r>
+              <a:rPr lang="en-US"/>
+              <a:t>Data </a:t>
+            </a:r>
+            <a:r>
+              <a:rPr lang="en-US" smtClean="0"/>
+              <a:t>Studio: công cụ hỗ trợ chia sẽ dữ liệu</a:t>
+            </a:r>
+            <a:endParaRPr lang="en-US"/>
+          </a:p>
+          <a:p>
+            <a:pPr lvl="1"/>
             <a:endParaRPr lang="en-US" smtClean="0"/>
           </a:p>
           <a:p>
@@ -4552,7 +5769,7 @@
     </p:spTree>
     <p:extLst>
       <p:ext uri="{BB962C8B-B14F-4D97-AF65-F5344CB8AC3E}">
-        <p14:creationId xmlns:p14="http://schemas.microsoft.com/office/powerpoint/2010/main" val="2160105069"/>
+        <p14:creationId xmlns:p14="http://schemas.microsoft.com/office/powerpoint/2010/main" val="3697114754"/>
       </p:ext>
     </p:extLst>
   </p:cSld>
@@ -4602,12 +5819,8 @@
           <a:lstStyle/>
           <a:p>
             <a:r>
-              <a:rPr lang="en-US" smtClean="0"/>
-              <a:t>Kiến Trúc </a:t>
-            </a:r>
-            <a:r>
-              <a:rPr lang="en-US" smtClean="0"/>
-              <a:t>Salesforce (SAAS)</a:t>
+              <a:rPr lang="en-US"/>
+              <a:t>Dịch vụ Salesforce SAAS</a:t>
             </a:r>
             <a:endParaRPr lang="en-US"/>
           </a:p>
@@ -4664,18 +5877,123 @@
         </p:nvSpPr>
         <p:spPr>
           <a:xfrm>
-            <a:off x="838200" y="1825625"/>
-            <a:ext cx="10515600" cy="4351338"/>
+            <a:off x="838200" y="1825624"/>
+            <a:ext cx="10515600" cy="5032375"/>
           </a:xfrm>
         </p:spPr>
         <p:txBody>
-          <a:bodyPr/>
-          <a:lstStyle/>
-          <a:p>
-            <a:r>
-              <a:rPr lang="en-US" smtClean="0"/>
-              <a:t>Nền tản Lightning trong Salesforce</a:t>
-            </a:r>
+          <a:bodyPr>
+            <a:normAutofit/>
+          </a:bodyPr>
+          <a:lstStyle/>
+          <a:p>
+            <a:r>
+              <a:rPr lang="en-US" smtClean="0"/>
+              <a:t>Analytic </a:t>
+            </a:r>
+            <a:r>
+              <a:rPr lang="en-US" smtClean="0"/>
+              <a:t>Cloud</a:t>
+            </a:r>
+            <a:r>
+              <a:rPr lang="en-US" smtClean="0"/>
+              <a:t>:</a:t>
+            </a:r>
+          </a:p>
+          <a:p>
+            <a:pPr lvl="1"/>
+            <a:r>
+              <a:rPr lang="en-US" smtClean="0"/>
+              <a:t>Xây dựng trên nền tảng Wave. Trong tương lai, người dùng cũng có thể xây dựng BI trên nền tảng này.</a:t>
+            </a:r>
+          </a:p>
+          <a:p>
+            <a:pPr lvl="1"/>
+            <a:r>
+              <a:rPr lang="en-US" smtClean="0"/>
+              <a:t>Hỗ trợ những thành phần</a:t>
+            </a:r>
+          </a:p>
+          <a:p>
+            <a:pPr lvl="2"/>
+            <a:r>
+              <a:rPr lang="en-US" sz="2400" smtClean="0"/>
+              <a:t>Dashboard</a:t>
+            </a:r>
+          </a:p>
+          <a:p>
+            <a:pPr lvl="2"/>
+            <a:r>
+              <a:rPr lang="en-US" sz="2400" smtClean="0"/>
+              <a:t>Lenses: report</a:t>
+            </a:r>
+          </a:p>
+          <a:p>
+            <a:pPr lvl="2"/>
+            <a:r>
+              <a:rPr lang="en-US" sz="2400" smtClean="0"/>
+              <a:t>Dataset: Salesforce dataset (Account, Lead) hay từ nguồn khác (CSV, ETL)</a:t>
+            </a:r>
+          </a:p>
+          <a:p>
+            <a:pPr lvl="2"/>
+            <a:r>
+              <a:rPr lang="en-US" sz="2400" smtClean="0"/>
+              <a:t>Dataflow: luồng xử lý, tổng hợp dữ liệu trong ETL</a:t>
+            </a:r>
+          </a:p>
+          <a:p>
+            <a:r>
+              <a:rPr lang="en-US" sz="3200" smtClean="0"/>
+              <a:t>Einstein Discovery</a:t>
+            </a:r>
+            <a:r>
+              <a:rPr lang="en-US" smtClean="0"/>
+              <a:t>: </a:t>
+            </a:r>
+            <a:r>
+              <a:rPr lang="en-US" sz="2400" smtClean="0"/>
+              <a:t>xây dựng phân tích dữ liệu bán hàng, marketing, khách hàng mở rộng bằng công nghệ AI</a:t>
+            </a:r>
+          </a:p>
+          <a:p>
+            <a:pPr lvl="2"/>
+            <a:r>
+              <a:rPr lang="en-US" sz="2400" smtClean="0"/>
+              <a:t>Self Service Advance Analytic</a:t>
+            </a:r>
+          </a:p>
+          <a:p>
+            <a:pPr lvl="2"/>
+            <a:endParaRPr lang="en-US" smtClean="0"/>
+          </a:p>
+          <a:p>
+            <a:pPr lvl="1"/>
+            <a:endParaRPr lang="en-US" smtClean="0"/>
+          </a:p>
+          <a:p>
+            <a:endParaRPr lang="en-US" smtClean="0"/>
+          </a:p>
+          <a:p>
+            <a:endParaRPr lang="en-US" smtClean="0"/>
+          </a:p>
+          <a:p>
+            <a:endParaRPr lang="en-US" smtClean="0"/>
+          </a:p>
+          <a:p>
+            <a:endParaRPr lang="en-US" smtClean="0"/>
+          </a:p>
+          <a:p>
+            <a:endParaRPr lang="en-US" smtClean="0"/>
+          </a:p>
+          <a:p>
+            <a:endParaRPr lang="en-US" smtClean="0"/>
+          </a:p>
+          <a:p>
+            <a:endParaRPr lang="en-US" smtClean="0"/>
+          </a:p>
+          <a:p>
+            <a:endParaRPr lang="en-US" smtClean="0"/>
           </a:p>
           <a:p>
             <a:endParaRPr lang="en-US" smtClean="0"/>
@@ -4688,7 +6006,7 @@
     </p:spTree>
     <p:extLst>
       <p:ext uri="{BB962C8B-B14F-4D97-AF65-F5344CB8AC3E}">
-        <p14:creationId xmlns:p14="http://schemas.microsoft.com/office/powerpoint/2010/main" val="2621458741"/>
+        <p14:creationId xmlns:p14="http://schemas.microsoft.com/office/powerpoint/2010/main" val="458654116"/>
       </p:ext>
     </p:extLst>
   </p:cSld>
